--- a/作业和实验/《人工智能》课程论文/(研一)人工智能寒假作业/人工智能应用设计报告/图.pptx
+++ b/作业和实验/《人工智能》课程论文/(研一)人工智能寒假作业/人工智能应用设计报告/图.pptx
@@ -104,6 +104,11 @@
       </a:defRPr>
     </a:lvl9pPr>
   </p:defaultTextStyle>
+  <p:extLst>
+    <p:ext uri="{EFAFB233-063F-42B5-8137-9DF3F51BA10A}">
+      <p15:sldGuideLst xmlns:p15="http://schemas.microsoft.com/office/powerpoint/2012/main"/>
+    </p:ext>
+  </p:extLst>
 </p:presentation>
 </file>
 
@@ -254,7 +259,7 @@
           <a:p>
             <a:fld id="{F0DDEEDE-5051-4A1A-B125-B42A4A984F89}" type="datetimeFigureOut">
               <a:rPr lang="zh-CN" altLang="en-US" smtClean="0"/>
-              <a:t>2021/2/27</a:t>
+              <a:t>2021/2/28</a:t>
             </a:fld>
             <a:endParaRPr lang="zh-CN" altLang="en-US"/>
           </a:p>
@@ -452,7 +457,7 @@
           <a:p>
             <a:fld id="{F0DDEEDE-5051-4A1A-B125-B42A4A984F89}" type="datetimeFigureOut">
               <a:rPr lang="zh-CN" altLang="en-US" smtClean="0"/>
-              <a:t>2021/2/27</a:t>
+              <a:t>2021/2/28</a:t>
             </a:fld>
             <a:endParaRPr lang="zh-CN" altLang="en-US"/>
           </a:p>
@@ -660,7 +665,7 @@
           <a:p>
             <a:fld id="{F0DDEEDE-5051-4A1A-B125-B42A4A984F89}" type="datetimeFigureOut">
               <a:rPr lang="zh-CN" altLang="en-US" smtClean="0"/>
-              <a:t>2021/2/27</a:t>
+              <a:t>2021/2/28</a:t>
             </a:fld>
             <a:endParaRPr lang="zh-CN" altLang="en-US"/>
           </a:p>
@@ -858,7 +863,7 @@
           <a:p>
             <a:fld id="{F0DDEEDE-5051-4A1A-B125-B42A4A984F89}" type="datetimeFigureOut">
               <a:rPr lang="zh-CN" altLang="en-US" smtClean="0"/>
-              <a:t>2021/2/27</a:t>
+              <a:t>2021/2/28</a:t>
             </a:fld>
             <a:endParaRPr lang="zh-CN" altLang="en-US"/>
           </a:p>
@@ -1133,7 +1138,7 @@
           <a:p>
             <a:fld id="{F0DDEEDE-5051-4A1A-B125-B42A4A984F89}" type="datetimeFigureOut">
               <a:rPr lang="zh-CN" altLang="en-US" smtClean="0"/>
-              <a:t>2021/2/27</a:t>
+              <a:t>2021/2/28</a:t>
             </a:fld>
             <a:endParaRPr lang="zh-CN" altLang="en-US"/>
           </a:p>
@@ -1398,7 +1403,7 @@
           <a:p>
             <a:fld id="{F0DDEEDE-5051-4A1A-B125-B42A4A984F89}" type="datetimeFigureOut">
               <a:rPr lang="zh-CN" altLang="en-US" smtClean="0"/>
-              <a:t>2021/2/27</a:t>
+              <a:t>2021/2/28</a:t>
             </a:fld>
             <a:endParaRPr lang="zh-CN" altLang="en-US"/>
           </a:p>
@@ -1810,7 +1815,7 @@
           <a:p>
             <a:fld id="{F0DDEEDE-5051-4A1A-B125-B42A4A984F89}" type="datetimeFigureOut">
               <a:rPr lang="zh-CN" altLang="en-US" smtClean="0"/>
-              <a:t>2021/2/27</a:t>
+              <a:t>2021/2/28</a:t>
             </a:fld>
             <a:endParaRPr lang="zh-CN" altLang="en-US"/>
           </a:p>
@@ -1951,7 +1956,7 @@
           <a:p>
             <a:fld id="{F0DDEEDE-5051-4A1A-B125-B42A4A984F89}" type="datetimeFigureOut">
               <a:rPr lang="zh-CN" altLang="en-US" smtClean="0"/>
-              <a:t>2021/2/27</a:t>
+              <a:t>2021/2/28</a:t>
             </a:fld>
             <a:endParaRPr lang="zh-CN" altLang="en-US"/>
           </a:p>
@@ -2064,7 +2069,7 @@
           <a:p>
             <a:fld id="{F0DDEEDE-5051-4A1A-B125-B42A4A984F89}" type="datetimeFigureOut">
               <a:rPr lang="zh-CN" altLang="en-US" smtClean="0"/>
-              <a:t>2021/2/27</a:t>
+              <a:t>2021/2/28</a:t>
             </a:fld>
             <a:endParaRPr lang="zh-CN" altLang="en-US"/>
           </a:p>
@@ -2375,7 +2380,7 @@
           <a:p>
             <a:fld id="{F0DDEEDE-5051-4A1A-B125-B42A4A984F89}" type="datetimeFigureOut">
               <a:rPr lang="zh-CN" altLang="en-US" smtClean="0"/>
-              <a:t>2021/2/27</a:t>
+              <a:t>2021/2/28</a:t>
             </a:fld>
             <a:endParaRPr lang="zh-CN" altLang="en-US"/>
           </a:p>
@@ -2663,7 +2668,7 @@
           <a:p>
             <a:fld id="{F0DDEEDE-5051-4A1A-B125-B42A4A984F89}" type="datetimeFigureOut">
               <a:rPr lang="zh-CN" altLang="en-US" smtClean="0"/>
-              <a:t>2021/2/27</a:t>
+              <a:t>2021/2/28</a:t>
             </a:fld>
             <a:endParaRPr lang="zh-CN" altLang="en-US"/>
           </a:p>
@@ -2904,7 +2909,7 @@
           <a:p>
             <a:fld id="{F0DDEEDE-5051-4A1A-B125-B42A4A984F89}" type="datetimeFigureOut">
               <a:rPr lang="zh-CN" altLang="en-US" smtClean="0"/>
-              <a:t>2021/2/27</a:t>
+              <a:t>2021/2/28</a:t>
             </a:fld>
             <a:endParaRPr lang="zh-CN" altLang="en-US"/>
           </a:p>
@@ -3389,8 +3394,8 @@
             <a:chExt cx="1557868" cy="2201334"/>
           </a:xfrm>
         </p:grpSpPr>
-        <mc:AlternateContent xmlns:mc="http://schemas.openxmlformats.org/markup-compatibility/2006">
-          <mc:Choice xmlns:a14="http://schemas.microsoft.com/office/drawing/2010/main" Requires="a14">
+        <mc:AlternateContent xmlns:mc="http://schemas.openxmlformats.org/markup-compatibility/2006" xmlns:a14="http://schemas.microsoft.com/office/drawing/2010/main">
+          <mc:Choice Requires="a14">
             <p:sp>
               <p:nvSpPr>
                 <p:cNvPr id="5" name="矩形 4">
@@ -3470,7 +3475,7 @@
               </p:txBody>
             </p:sp>
           </mc:Choice>
-          <mc:Fallback>
+          <mc:Fallback xmlns="">
             <p:sp>
               <p:nvSpPr>
                 <p:cNvPr id="5" name="矩形 4">
@@ -3678,8 +3683,8 @@
           </p:sp>
         </p:grpSp>
       </p:grpSp>
-      <mc:AlternateContent xmlns:mc="http://schemas.openxmlformats.org/markup-compatibility/2006">
-        <mc:Choice xmlns:a14="http://schemas.microsoft.com/office/drawing/2010/main" Requires="a14">
+      <mc:AlternateContent xmlns:mc="http://schemas.openxmlformats.org/markup-compatibility/2006" xmlns:a14="http://schemas.microsoft.com/office/drawing/2010/main">
+        <mc:Choice Requires="a14">
           <p:sp>
             <p:nvSpPr>
               <p:cNvPr id="11" name="矩形 10">
@@ -3767,7 +3772,7 @@
             </p:txBody>
           </p:sp>
         </mc:Choice>
-        <mc:Fallback>
+        <mc:Fallback xmlns="">
           <p:sp>
             <p:nvSpPr>
               <p:cNvPr id="11" name="矩形 10">
@@ -4288,7 +4293,7 @@
             <a:pPr algn="ctr"/>
             <a:r>
               <a:rPr lang="zh-CN" altLang="en-US" dirty="0"/>
-              <a:t>拥塞判定</a:t>
+              <a:t>奖励函数</a:t>
             </a:r>
           </a:p>
         </p:txBody>
@@ -4473,6 +4478,49 @@
           </a:p>
         </p:txBody>
       </p:sp>
+      <p:cxnSp>
+        <p:nvCxnSpPr>
+          <p:cNvPr id="24" name="直接箭头连接符 23">
+            <a:extLst>
+              <a:ext uri="{FF2B5EF4-FFF2-40B4-BE49-F238E27FC236}">
+                <a16:creationId xmlns:a16="http://schemas.microsoft.com/office/drawing/2014/main" id="{16BB46FB-0E80-4877-8D95-A6D1F847165A}"/>
+              </a:ext>
+            </a:extLst>
+          </p:cNvPr>
+          <p:cNvCxnSpPr>
+            <a:cxnSpLocks/>
+            <a:stCxn id="8" idx="3"/>
+            <a:endCxn id="34" idx="2"/>
+          </p:cNvCxnSpPr>
+          <p:nvPr/>
+        </p:nvCxnSpPr>
+        <p:spPr>
+          <a:xfrm flipV="1">
+            <a:off x="4931833" y="998111"/>
+            <a:ext cx="917833" cy="2143022"/>
+          </a:xfrm>
+          <a:prstGeom prst="straightConnector1">
+            <a:avLst/>
+          </a:prstGeom>
+          <a:ln>
+            <a:tailEnd type="triangle"/>
+          </a:ln>
+        </p:spPr>
+        <p:style>
+          <a:lnRef idx="2">
+            <a:schemeClr val="dk1"/>
+          </a:lnRef>
+          <a:fillRef idx="1">
+            <a:schemeClr val="lt1"/>
+          </a:fillRef>
+          <a:effectRef idx="0">
+            <a:schemeClr val="dk1"/>
+          </a:effectRef>
+          <a:fontRef idx="minor">
+            <a:schemeClr val="dk1"/>
+          </a:fontRef>
+        </p:style>
+      </p:cxnSp>
     </p:spTree>
     <p:extLst>
       <p:ext uri="{BB962C8B-B14F-4D97-AF65-F5344CB8AC3E}">
